--- a/Prototype lab flow.pptx
+++ b/Prototype lab flow.pptx
@@ -7075,36 +7075,29 @@
           </a:p>
         </p:txBody>
       </p:sp>
-      <p:sp>
-        <p:nvSpPr>
-          <p:cNvPr id="4" name="TextBox 3"/>
-          <p:cNvSpPr txBox="1"/>
+      <p:pic>
+        <p:nvPicPr>
+          <p:cNvPr id="3" name="Picture 2"/>
+          <p:cNvPicPr>
+            <a:picLocks noChangeAspect="1"/>
+          </p:cNvPicPr>
           <p:nvPr/>
-        </p:nvSpPr>
+        </p:nvPicPr>
+        <p:blipFill rotWithShape="1">
+          <a:blip r:embed="rId2"/>
+          <a:srcRect l="10956" t="11067" b="11531"/>
+          <a:stretch/>
+        </p:blipFill>
         <p:spPr>
           <a:xfrm>
-            <a:off x="1637784" y="2097602"/>
-            <a:ext cx="9817579" cy="461665"/>
+            <a:off x="742120" y="1675128"/>
+            <a:ext cx="10814360" cy="4540141"/>
           </a:xfrm>
           <a:prstGeom prst="rect">
             <a:avLst/>
           </a:prstGeom>
-          <a:noFill/>
         </p:spPr>
-        <p:txBody>
-          <a:bodyPr wrap="square" rtlCol="0">
-            <a:spAutoFit/>
-          </a:bodyPr>
-          <a:lstStyle/>
-          <a:p>
-            <a:r>
-              <a:rPr lang="en-US" sz="2400" dirty="0"/>
-              <a:t>s</a:t>
-            </a:r>
-            <a:endParaRPr lang="en-US" dirty="0"/>
-          </a:p>
-        </p:txBody>
-      </p:sp>
+      </p:pic>
     </p:spTree>
     <p:extLst>
       <p:ext uri="{BB962C8B-B14F-4D97-AF65-F5344CB8AC3E}">
